--- a/PEC 2 Visualización de datos - Diego Sánchez de la Fuente.pptx
+++ b/PEC 2 Visualización de datos - Diego Sánchez de la Fuente.pptx
@@ -6194,7 +6194,7 @@
                 <a:latin typeface="Lao UI" panose="020B0502040204020203" pitchFamily="34" charset="0"/>
                 <a:cs typeface="Lao UI" panose="020B0502040204020203" pitchFamily="34" charset="0"/>
               </a:rPr>
-              <a:t> (o de enjambre de abejas), para analizar datos de 3 dimensiones de una manera más legible.</a:t>
+              <a:t> (o de enjambre de abejas), para analizar datos de 3 o más dimensiones de una manera más legible.</a:t>
             </a:r>
           </a:p>
           <a:p>
@@ -6222,7 +6222,7 @@
                 <a:latin typeface="Lao UI" panose="020B0502040204020203" pitchFamily="34" charset="0"/>
                 <a:cs typeface="Lao UI" panose="020B0502040204020203" pitchFamily="34" charset="0"/>
               </a:rPr>
-              <a:t>Podemos analizar gráficas X,Y,Z, como, por ejemplo:</a:t>
+              <a:t>Por ejemplo, graficando las siguientes variables:</a:t>
             </a:r>
           </a:p>
           <a:p>
@@ -6460,21 +6460,8 @@
                 <a:latin typeface="Lao UI" panose="020B0502040204020203" pitchFamily="34" charset="0"/>
                 <a:cs typeface="Lao UI" panose="020B0502040204020203" pitchFamily="34" charset="0"/>
               </a:rPr>
-              <a:t>mero de viviendas de obra nueva construidas en el territorio de Aragón (Ciudad de Zaragoza)</a:t>
-            </a:r>
-            <a:endParaRPr lang="es-ES" b="0" i="0" dirty="0">
-              <a:solidFill>
-                <a:srgbClr val="000000"/>
-              </a:solidFill>
-              <a:effectLst/>
-              <a:latin typeface="Lao UI" panose="020B0502040204020203" pitchFamily="34" charset="0"/>
-              <a:cs typeface="Lao UI" panose="020B0502040204020203" pitchFamily="34" charset="0"/>
-            </a:endParaRPr>
-          </a:p>
-          <a:p>
-            <a:pPr marL="0" indent="0" algn="l">
-              <a:buNone/>
-            </a:pPr>
+              <a:t>mero de viviendas de obra nueva construidas en el territorio de Aragón.</a:t>
+            </a:r>
             <a:endParaRPr lang="es-ES" b="0" i="0" dirty="0">
               <a:solidFill>
                 <a:srgbClr val="000000"/>
@@ -6564,10 +6551,10 @@
       </p:sp>
       <p:graphicFrame>
         <p:nvGraphicFramePr>
-          <p:cNvPr id="6" name="Tabla 5">
+          <p:cNvPr id="3" name="Tabla 2">
             <a:extLst>
               <a:ext uri="{FF2B5EF4-FFF2-40B4-BE49-F238E27FC236}">
-                <a16:creationId xmlns:a16="http://schemas.microsoft.com/office/drawing/2014/main" id="{5699728E-551B-14AE-E5A6-AB8BFB48E3CD}"/>
+                <a16:creationId xmlns:a16="http://schemas.microsoft.com/office/drawing/2014/main" id="{4E4BFA39-5C8E-3656-24DB-7B03072471DB}"/>
               </a:ext>
             </a:extLst>
           </p:cNvPr>
@@ -6577,14 +6564,14 @@
           <p:nvPr>
             <p:extLst>
               <p:ext uri="{D42A27DB-BD31-4B8C-83A1-F6EECF244321}">
-                <p14:modId xmlns:p14="http://schemas.microsoft.com/office/powerpoint/2010/main" val="741372611"/>
+                <p14:modId xmlns:p14="http://schemas.microsoft.com/office/powerpoint/2010/main" val="70688101"/>
               </p:ext>
             </p:extLst>
           </p:nvPr>
         </p:nvGraphicFramePr>
         <p:xfrm>
-          <a:off x="838197" y="1796574"/>
-          <a:ext cx="10515603" cy="2194560"/>
+          <a:off x="838200" y="1965460"/>
+          <a:ext cx="10515600" cy="2743200"/>
         </p:xfrm>
         <a:graphic>
           <a:graphicData uri="http://schemas.openxmlformats.org/drawingml/2006/table">
@@ -6593,64 +6580,57 @@
                 <a:tableStyleId>{BC89EF96-8CEA-46FF-86C4-4CE0E7609802}</a:tableStyleId>
               </a:tblPr>
               <a:tblGrid>
-                <a:gridCol w="1502229">
+                <a:gridCol w="1752600">
                   <a:extLst>
                     <a:ext uri="{9D8B030D-6E8A-4147-A177-3AD203B41FA5}">
-                      <a16:colId xmlns:a16="http://schemas.microsoft.com/office/drawing/2014/main" val="2348231290"/>
+                      <a16:colId xmlns:a16="http://schemas.microsoft.com/office/drawing/2014/main" val="2229188646"/>
                     </a:ext>
                   </a:extLst>
                 </a:gridCol>
-                <a:gridCol w="1502229">
+                <a:gridCol w="1752600">
                   <a:extLst>
                     <a:ext uri="{9D8B030D-6E8A-4147-A177-3AD203B41FA5}">
-                      <a16:colId xmlns:a16="http://schemas.microsoft.com/office/drawing/2014/main" val="3252761221"/>
+                      <a16:colId xmlns:a16="http://schemas.microsoft.com/office/drawing/2014/main" val="1637458696"/>
                     </a:ext>
                   </a:extLst>
                 </a:gridCol>
-                <a:gridCol w="1502229">
+                <a:gridCol w="1752600">
                   <a:extLst>
                     <a:ext uri="{9D8B030D-6E8A-4147-A177-3AD203B41FA5}">
-                      <a16:colId xmlns:a16="http://schemas.microsoft.com/office/drawing/2014/main" val="3977984461"/>
+                      <a16:colId xmlns:a16="http://schemas.microsoft.com/office/drawing/2014/main" val="3534934252"/>
                     </a:ext>
                   </a:extLst>
                 </a:gridCol>
-                <a:gridCol w="1502229">
+                <a:gridCol w="1752600">
                   <a:extLst>
                     <a:ext uri="{9D8B030D-6E8A-4147-A177-3AD203B41FA5}">
-                      <a16:colId xmlns:a16="http://schemas.microsoft.com/office/drawing/2014/main" val="376856481"/>
+                      <a16:colId xmlns:a16="http://schemas.microsoft.com/office/drawing/2014/main" val="4170161245"/>
                     </a:ext>
                   </a:extLst>
                 </a:gridCol>
-                <a:gridCol w="1502229">
+                <a:gridCol w="1752600">
                   <a:extLst>
                     <a:ext uri="{9D8B030D-6E8A-4147-A177-3AD203B41FA5}">
-                      <a16:colId xmlns:a16="http://schemas.microsoft.com/office/drawing/2014/main" val="4228838101"/>
+                      <a16:colId xmlns:a16="http://schemas.microsoft.com/office/drawing/2014/main" val="284164000"/>
                     </a:ext>
                   </a:extLst>
                 </a:gridCol>
-                <a:gridCol w="1502229">
+                <a:gridCol w="1752600">
                   <a:extLst>
                     <a:ext uri="{9D8B030D-6E8A-4147-A177-3AD203B41FA5}">
-                      <a16:colId xmlns:a16="http://schemas.microsoft.com/office/drawing/2014/main" val="761001227"/>
-                    </a:ext>
-                  </a:extLst>
-                </a:gridCol>
-                <a:gridCol w="1502229">
-                  <a:extLst>
-                    <a:ext uri="{9D8B030D-6E8A-4147-A177-3AD203B41FA5}">
-                      <a16:colId xmlns:a16="http://schemas.microsoft.com/office/drawing/2014/main" val="3155125690"/>
+                      <a16:colId xmlns:a16="http://schemas.microsoft.com/office/drawing/2014/main" val="1819040556"/>
                     </a:ext>
                   </a:extLst>
                 </a:gridCol>
               </a:tblGrid>
-              <a:tr h="365760">
-                <a:tc>
-                  <a:txBody>
-                    <a:bodyPr/>
-                    <a:lstStyle/>
-                    <a:p>
-                      <a:pPr algn="r" fontAlgn="ctr"/>
-                      <a:endParaRPr lang="es-ES" sz="1800" b="1" dirty="0">
+              <a:tr h="0">
+                <a:tc>
+                  <a:txBody>
+                    <a:bodyPr/>
+                    <a:lstStyle/>
+                    <a:p>
+                      <a:pPr algn="r" fontAlgn="ctr"/>
+                      <a:endParaRPr lang="es-ES" b="1" dirty="0">
                         <a:effectLst/>
                       </a:endParaRPr>
                     </a:p>
@@ -6670,8 +6650,13 @@
                     <a:lstStyle/>
                     <a:p>
                       <a:pPr algn="r" fontAlgn="ctr"/>
-                      <a:r>
-                        <a:rPr lang="es-ES" sz="1800" b="1" dirty="0">
+                      <a:br>
+                        <a:rPr lang="es-ES" b="1" dirty="0">
+                          <a:effectLst/>
+                        </a:rPr>
+                      </a:br>
+                      <a:r>
+                        <a:rPr lang="es-ES" b="1" dirty="0">
                           <a:effectLst/>
                         </a:rPr>
                         <a:t>Municipios</a:t>
@@ -6694,10 +6679,10 @@
                     <a:p>
                       <a:pPr algn="r" fontAlgn="ctr"/>
                       <a:r>
-                        <a:rPr lang="es-ES" sz="1800" b="1" dirty="0">
-                          <a:effectLst/>
-                        </a:rPr>
-                        <a:t>Renta</a:t>
+                        <a:rPr lang="es-ES" b="1" dirty="0">
+                          <a:effectLst/>
+                        </a:rPr>
+                        <a:t>Edificaciones</a:t>
                       </a:r>
                     </a:p>
                   </a:txBody>
@@ -6717,11 +6702,14 @@
                     <a:p>
                       <a:pPr algn="r" fontAlgn="ctr"/>
                       <a:r>
-                        <a:rPr lang="es-ES" sz="1800" b="1" dirty="0">
-                          <a:effectLst/>
-                        </a:rPr>
-                        <a:t>Edificaciones</a:t>
-                      </a:r>
+                        <a:rPr lang="es-ES" b="1" dirty="0" err="1">
+                          <a:effectLst/>
+                        </a:rPr>
+                        <a:t>Codigo</a:t>
+                      </a:r>
+                      <a:endParaRPr lang="es-ES" b="1" dirty="0">
+                        <a:effectLst/>
+                      </a:endParaRPr>
                     </a:p>
                   </a:txBody>
                   <a:tcPr anchor="ctr">
@@ -6740,14 +6728,11 @@
                     <a:p>
                       <a:pPr algn="r" fontAlgn="ctr"/>
                       <a:r>
-                        <a:rPr lang="es-ES" sz="1800" b="1" dirty="0" err="1">
-                          <a:effectLst/>
-                        </a:rPr>
-                        <a:t>Codigo</a:t>
-                      </a:r>
-                      <a:endParaRPr lang="es-ES" sz="1800" b="1" dirty="0">
-                        <a:effectLst/>
-                      </a:endParaRPr>
+                        <a:rPr lang="es-ES" b="1" dirty="0">
+                          <a:effectLst/>
+                        </a:rPr>
+                        <a:t>Ciudad</a:t>
+                      </a:r>
                     </a:p>
                   </a:txBody>
                   <a:tcPr anchor="ctr">
@@ -6766,10 +6751,10 @@
                     <a:p>
                       <a:pPr algn="r" fontAlgn="ctr"/>
                       <a:r>
-                        <a:rPr lang="es-ES" sz="1800" b="1" dirty="0">
-                          <a:effectLst/>
-                        </a:rPr>
-                        <a:t>Ciudad</a:t>
+                        <a:rPr lang="es-ES" b="1" dirty="0">
+                          <a:effectLst/>
+                        </a:rPr>
+                        <a:t>Renta</a:t>
                       </a:r>
                     </a:p>
                   </a:txBody>
@@ -6782,50 +6767,24 @@
                     </a:solidFill>
                   </a:tcPr>
                 </a:tc>
-                <a:tc>
-                  <a:txBody>
-                    <a:bodyPr/>
-                    <a:lstStyle/>
-                    <a:p>
-                      <a:pPr algn="r" fontAlgn="ctr"/>
-                      <a:r>
-                        <a:rPr lang="es-ES" sz="1800" b="1" dirty="0" err="1">
-                          <a:effectLst/>
-                        </a:rPr>
-                        <a:t>Renta_d</a:t>
-                      </a:r>
-                      <a:endParaRPr lang="es-ES" sz="1800" b="1" dirty="0">
-                        <a:effectLst/>
-                      </a:endParaRPr>
-                    </a:p>
-                  </a:txBody>
-                  <a:tcPr anchor="ctr">
-                    <a:solidFill>
-                      <a:schemeClr val="accent6">
-                        <a:lumMod val="20000"/>
-                        <a:lumOff val="80000"/>
-                      </a:schemeClr>
-                    </a:solidFill>
-                  </a:tcPr>
-                </a:tc>
                 <a:extLst>
                   <a:ext uri="{0D108BD9-81ED-4DB2-BD59-A6C34878D82A}">
-                    <a16:rowId xmlns:a16="http://schemas.microsoft.com/office/drawing/2014/main" val="1522721897"/>
+                    <a16:rowId xmlns:a16="http://schemas.microsoft.com/office/drawing/2014/main" val="3884153012"/>
                   </a:ext>
                 </a:extLst>
               </a:tr>
-              <a:tr h="365760">
-                <a:tc>
-                  <a:txBody>
-                    <a:bodyPr/>
-                    <a:lstStyle/>
-                    <a:p>
-                      <a:pPr algn="r" fontAlgn="ctr"/>
-                      <a:r>
-                        <a:rPr lang="es-ES" sz="1800" b="1">
-                          <a:effectLst/>
-                        </a:rPr>
-                        <a:t>441</a:t>
+              <a:tr h="0">
+                <a:tc>
+                  <a:txBody>
+                    <a:bodyPr/>
+                    <a:lstStyle/>
+                    <a:p>
+                      <a:pPr algn="r" fontAlgn="ctr"/>
+                      <a:r>
+                        <a:rPr lang="es-ES" b="1">
+                          <a:effectLst/>
+                        </a:rPr>
+                        <a:t>0</a:t>
                       </a:r>
                     </a:p>
                   </a:txBody>
@@ -6838,10 +6797,10 @@
                     <a:p>
                       <a:pPr algn="r" fontAlgn="ctr"/>
                       <a:r>
-                        <a:rPr lang="es-ES" sz="1800">
-                          <a:effectLst/>
-                        </a:rPr>
-                        <a:t>Aguarón</a:t>
+                        <a:rPr lang="es-ES">
+                          <a:effectLst/>
+                        </a:rPr>
+                        <a:t>Abiego</a:t>
                       </a:r>
                     </a:p>
                   </a:txBody>
@@ -6854,10 +6813,10 @@
                     <a:p>
                       <a:pPr algn="r" fontAlgn="ctr"/>
                       <a:r>
-                        <a:rPr lang="es-ES" sz="1800">
-                          <a:effectLst/>
-                        </a:rPr>
-                        <a:t>31.083000</a:t>
+                        <a:rPr lang="es-ES">
+                          <a:effectLst/>
+                        </a:rPr>
+                        <a:t>0,0</a:t>
                       </a:r>
                     </a:p>
                   </a:txBody>
@@ -6870,10 +6829,10 @@
                     <a:p>
                       <a:pPr algn="r" fontAlgn="ctr"/>
                       <a:r>
-                        <a:rPr lang="es-ES" sz="1800" dirty="0">
-                          <a:effectLst/>
-                        </a:rPr>
-                        <a:t>1,0</a:t>
+                        <a:rPr lang="es-ES">
+                          <a:effectLst/>
+                        </a:rPr>
+                        <a:t>22001</a:t>
                       </a:r>
                     </a:p>
                   </a:txBody>
@@ -6886,10 +6845,10 @@
                     <a:p>
                       <a:pPr algn="r" fontAlgn="ctr"/>
                       <a:r>
-                        <a:rPr lang="es-ES" sz="1800" dirty="0">
-                          <a:effectLst/>
-                        </a:rPr>
-                        <a:t>50004</a:t>
+                        <a:rPr lang="es-ES">
+                          <a:effectLst/>
+                        </a:rPr>
+                        <a:t>Huesca</a:t>
                       </a:r>
                     </a:p>
                   </a:txBody>
@@ -6902,26 +6861,10 @@
                     <a:p>
                       <a:pPr algn="r" fontAlgn="ctr"/>
                       <a:r>
-                        <a:rPr lang="es-ES" sz="1800" dirty="0">
-                          <a:effectLst/>
-                        </a:rPr>
-                        <a:t>Zaragoza</a:t>
-                      </a:r>
-                    </a:p>
-                  </a:txBody>
-                  <a:tcPr anchor="ctr"/>
-                </a:tc>
-                <a:tc>
-                  <a:txBody>
-                    <a:bodyPr/>
-                    <a:lstStyle/>
-                    <a:p>
-                      <a:pPr algn="r" fontAlgn="ctr"/>
-                      <a:r>
-                        <a:rPr lang="es-ES" sz="1800">
-                          <a:effectLst/>
-                        </a:rPr>
-                        <a:t>2.0</a:t>
+                        <a:rPr lang="es-ES">
+                          <a:effectLst/>
+                        </a:rPr>
+                        <a:t>5.0</a:t>
                       </a:r>
                     </a:p>
                   </a:txBody>
@@ -6929,22 +6872,22 @@
                 </a:tc>
                 <a:extLst>
                   <a:ext uri="{0D108BD9-81ED-4DB2-BD59-A6C34878D82A}">
-                    <a16:rowId xmlns:a16="http://schemas.microsoft.com/office/drawing/2014/main" val="2096585147"/>
+                    <a16:rowId xmlns:a16="http://schemas.microsoft.com/office/drawing/2014/main" val="87946147"/>
                   </a:ext>
                 </a:extLst>
               </a:tr>
-              <a:tr h="365760">
-                <a:tc>
-                  <a:txBody>
-                    <a:bodyPr/>
-                    <a:lstStyle/>
-                    <a:p>
-                      <a:pPr algn="r" fontAlgn="ctr"/>
-                      <a:r>
-                        <a:rPr lang="es-ES" sz="1800" b="1">
-                          <a:effectLst/>
-                        </a:rPr>
-                        <a:t>443</a:t>
+              <a:tr h="0">
+                <a:tc>
+                  <a:txBody>
+                    <a:bodyPr/>
+                    <a:lstStyle/>
+                    <a:p>
+                      <a:pPr algn="r" fontAlgn="ctr"/>
+                      <a:r>
+                        <a:rPr lang="es-ES" b="1">
+                          <a:effectLst/>
+                        </a:rPr>
+                        <a:t>1</a:t>
                       </a:r>
                     </a:p>
                   </a:txBody>
@@ -6957,10 +6900,10 @@
                     <a:p>
                       <a:pPr algn="r" fontAlgn="ctr"/>
                       <a:r>
-                        <a:rPr lang="es-ES" sz="1800">
-                          <a:effectLst/>
-                        </a:rPr>
-                        <a:t>Ainzón</a:t>
+                        <a:rPr lang="es-ES">
+                          <a:effectLst/>
+                        </a:rPr>
+                        <a:t>Abizanda</a:t>
                       </a:r>
                     </a:p>
                   </a:txBody>
@@ -6973,10 +6916,10 @@
                     <a:p>
                       <a:pPr algn="r" fontAlgn="ctr"/>
                       <a:r>
-                        <a:rPr lang="es-ES" sz="1800">
-                          <a:effectLst/>
-                        </a:rPr>
-                        <a:t>36.873000</a:t>
+                        <a:rPr lang="es-ES">
+                          <a:effectLst/>
+                        </a:rPr>
+                        <a:t>3,0</a:t>
                       </a:r>
                     </a:p>
                   </a:txBody>
@@ -6989,10 +6932,10 @@
                     <a:p>
                       <a:pPr algn="r" fontAlgn="ctr"/>
                       <a:r>
-                        <a:rPr lang="es-ES" sz="1800">
-                          <a:effectLst/>
-                        </a:rPr>
-                        <a:t>2,0</a:t>
+                        <a:rPr lang="es-ES">
+                          <a:effectLst/>
+                        </a:rPr>
+                        <a:t>22002</a:t>
                       </a:r>
                     </a:p>
                   </a:txBody>
@@ -7005,10 +6948,10 @@
                     <a:p>
                       <a:pPr algn="r" fontAlgn="ctr"/>
                       <a:r>
-                        <a:rPr lang="es-ES" sz="1800">
-                          <a:effectLst/>
-                        </a:rPr>
-                        <a:t>50006</a:t>
+                        <a:rPr lang="es-ES">
+                          <a:effectLst/>
+                        </a:rPr>
+                        <a:t>Huesca</a:t>
                       </a:r>
                     </a:p>
                   </a:txBody>
@@ -7021,26 +6964,10 @@
                     <a:p>
                       <a:pPr algn="r" fontAlgn="ctr"/>
                       <a:r>
-                        <a:rPr lang="es-ES" sz="1800">
-                          <a:effectLst/>
-                        </a:rPr>
-                        <a:t>Zaragoza</a:t>
-                      </a:r>
-                    </a:p>
-                  </a:txBody>
-                  <a:tcPr anchor="ctr"/>
-                </a:tc>
-                <a:tc>
-                  <a:txBody>
-                    <a:bodyPr/>
-                    <a:lstStyle/>
-                    <a:p>
-                      <a:pPr algn="r" fontAlgn="ctr"/>
-                      <a:r>
-                        <a:rPr lang="es-ES" sz="1800">
-                          <a:effectLst/>
-                        </a:rPr>
-                        <a:t>4.0</a:t>
+                        <a:rPr lang="es-ES">
+                          <a:effectLst/>
+                        </a:rPr>
+                        <a:t>6.0</a:t>
                       </a:r>
                     </a:p>
                   </a:txBody>
@@ -7048,22 +6975,22 @@
                 </a:tc>
                 <a:extLst>
                   <a:ext uri="{0D108BD9-81ED-4DB2-BD59-A6C34878D82A}">
-                    <a16:rowId xmlns:a16="http://schemas.microsoft.com/office/drawing/2014/main" val="3572496357"/>
+                    <a16:rowId xmlns:a16="http://schemas.microsoft.com/office/drawing/2014/main" val="1129877418"/>
                   </a:ext>
                 </a:extLst>
               </a:tr>
-              <a:tr h="365760">
-                <a:tc>
-                  <a:txBody>
-                    <a:bodyPr/>
-                    <a:lstStyle/>
-                    <a:p>
-                      <a:pPr algn="r" fontAlgn="ctr"/>
-                      <a:r>
-                        <a:rPr lang="es-ES" sz="1800" b="1">
-                          <a:effectLst/>
-                        </a:rPr>
-                        <a:t>445</a:t>
+              <a:tr h="0">
+                <a:tc>
+                  <a:txBody>
+                    <a:bodyPr/>
+                    <a:lstStyle/>
+                    <a:p>
+                      <a:pPr algn="r" fontAlgn="ctr"/>
+                      <a:r>
+                        <a:rPr lang="es-ES" b="1">
+                          <a:effectLst/>
+                        </a:rPr>
+                        <a:t>2</a:t>
                       </a:r>
                     </a:p>
                   </a:txBody>
@@ -7076,10 +7003,10 @@
                     <a:p>
                       <a:pPr algn="r" fontAlgn="ctr"/>
                       <a:r>
-                        <a:rPr lang="es-ES" sz="1800">
-                          <a:effectLst/>
-                        </a:rPr>
-                        <a:t>Alagón</a:t>
+                        <a:rPr lang="es-ES">
+                          <a:effectLst/>
+                        </a:rPr>
+                        <a:t>Adahuesca</a:t>
                       </a:r>
                     </a:p>
                   </a:txBody>
@@ -7092,10 +7019,10 @@
                     <a:p>
                       <a:pPr algn="r" fontAlgn="ctr"/>
                       <a:r>
-                        <a:rPr lang="es-ES" sz="1800">
-                          <a:effectLst/>
-                        </a:rPr>
-                        <a:t>39.747333</a:t>
+                        <a:rPr lang="es-ES">
+                          <a:effectLst/>
+                        </a:rPr>
+                        <a:t>3,0</a:t>
                       </a:r>
                     </a:p>
                   </a:txBody>
@@ -7108,10 +7035,10 @@
                     <a:p>
                       <a:pPr algn="r" fontAlgn="ctr"/>
                       <a:r>
-                        <a:rPr lang="es-ES" sz="1800">
-                          <a:effectLst/>
-                        </a:rPr>
-                        <a:t>4,0</a:t>
+                        <a:rPr lang="es-ES">
+                          <a:effectLst/>
+                        </a:rPr>
+                        <a:t>22003</a:t>
                       </a:r>
                     </a:p>
                   </a:txBody>
@@ -7124,10 +7051,10 @@
                     <a:p>
                       <a:pPr algn="r" fontAlgn="ctr"/>
                       <a:r>
-                        <a:rPr lang="es-ES" sz="1800">
-                          <a:effectLst/>
-                        </a:rPr>
-                        <a:t>50008</a:t>
+                        <a:rPr lang="es-ES">
+                          <a:effectLst/>
+                        </a:rPr>
+                        <a:t>Huesca</a:t>
                       </a:r>
                     </a:p>
                   </a:txBody>
@@ -7140,26 +7067,10 @@
                     <a:p>
                       <a:pPr algn="r" fontAlgn="ctr"/>
                       <a:r>
-                        <a:rPr lang="es-ES" sz="1800">
-                          <a:effectLst/>
-                        </a:rPr>
-                        <a:t>Zaragoza</a:t>
-                      </a:r>
-                    </a:p>
-                  </a:txBody>
-                  <a:tcPr anchor="ctr"/>
-                </a:tc>
-                <a:tc>
-                  <a:txBody>
-                    <a:bodyPr/>
-                    <a:lstStyle/>
-                    <a:p>
-                      <a:pPr algn="r" fontAlgn="ctr"/>
-                      <a:r>
-                        <a:rPr lang="es-ES" sz="1800">
-                          <a:effectLst/>
-                        </a:rPr>
-                        <a:t>5.0</a:t>
+                        <a:rPr lang="es-ES">
+                          <a:effectLst/>
+                        </a:rPr>
+                        <a:t>4.0</a:t>
                       </a:r>
                     </a:p>
                   </a:txBody>
@@ -7167,22 +7078,22 @@
                 </a:tc>
                 <a:extLst>
                   <a:ext uri="{0D108BD9-81ED-4DB2-BD59-A6C34878D82A}">
-                    <a16:rowId xmlns:a16="http://schemas.microsoft.com/office/drawing/2014/main" val="923494870"/>
+                    <a16:rowId xmlns:a16="http://schemas.microsoft.com/office/drawing/2014/main" val="1618201495"/>
                   </a:ext>
                 </a:extLst>
               </a:tr>
-              <a:tr h="365760">
-                <a:tc>
-                  <a:txBody>
-                    <a:bodyPr/>
-                    <a:lstStyle/>
-                    <a:p>
-                      <a:pPr algn="r" fontAlgn="ctr"/>
-                      <a:r>
-                        <a:rPr lang="es-ES" sz="1800" b="1">
-                          <a:effectLst/>
-                        </a:rPr>
-                        <a:t>450</a:t>
+              <a:tr h="0">
+                <a:tc>
+                  <a:txBody>
+                    <a:bodyPr/>
+                    <a:lstStyle/>
+                    <a:p>
+                      <a:pPr algn="r" fontAlgn="ctr"/>
+                      <a:r>
+                        <a:rPr lang="es-ES" b="1">
+                          <a:effectLst/>
+                        </a:rPr>
+                        <a:t>5</a:t>
                       </a:r>
                     </a:p>
                   </a:txBody>
@@ -7195,10 +7106,10 @@
                     <a:p>
                       <a:pPr algn="r" fontAlgn="ctr"/>
                       <a:r>
-                        <a:rPr lang="es-ES" sz="1800">
-                          <a:effectLst/>
-                        </a:rPr>
-                        <a:t>Alcalá de Ebro</a:t>
+                        <a:rPr lang="es-ES">
+                          <a:effectLst/>
+                        </a:rPr>
+                        <a:t>Albalate de Cinca</a:t>
                       </a:r>
                     </a:p>
                   </a:txBody>
@@ -7211,10 +7122,10 @@
                     <a:p>
                       <a:pPr algn="r" fontAlgn="ctr"/>
                       <a:r>
-                        <a:rPr lang="es-ES" sz="1800">
-                          <a:effectLst/>
-                        </a:rPr>
-                        <a:t>35.673000</a:t>
+                        <a:rPr lang="es-ES">
+                          <a:effectLst/>
+                        </a:rPr>
+                        <a:t>4,0</a:t>
                       </a:r>
                     </a:p>
                   </a:txBody>
@@ -7227,10 +7138,10 @@
                     <a:p>
                       <a:pPr algn="r" fontAlgn="ctr"/>
                       <a:r>
-                        <a:rPr lang="es-ES" sz="1800">
-                          <a:effectLst/>
-                        </a:rPr>
-                        <a:t>1,0</a:t>
+                        <a:rPr lang="es-ES">
+                          <a:effectLst/>
+                        </a:rPr>
+                        <a:t>22007</a:t>
                       </a:r>
                     </a:p>
                   </a:txBody>
@@ -7243,10 +7154,10 @@
                     <a:p>
                       <a:pPr algn="r" fontAlgn="ctr"/>
                       <a:r>
-                        <a:rPr lang="es-ES" sz="1800">
-                          <a:effectLst/>
-                        </a:rPr>
-                        <a:t>50013</a:t>
+                        <a:rPr lang="es-ES">
+                          <a:effectLst/>
+                        </a:rPr>
+                        <a:t>Huesca</a:t>
                       </a:r>
                     </a:p>
                   </a:txBody>
@@ -7259,23 +7170,7 @@
                     <a:p>
                       <a:pPr algn="r" fontAlgn="ctr"/>
                       <a:r>
-                        <a:rPr lang="es-ES" sz="1800">
-                          <a:effectLst/>
-                        </a:rPr>
-                        <a:t>Zaragoza</a:t>
-                      </a:r>
-                    </a:p>
-                  </a:txBody>
-                  <a:tcPr anchor="ctr"/>
-                </a:tc>
-                <a:tc>
-                  <a:txBody>
-                    <a:bodyPr/>
-                    <a:lstStyle/>
-                    <a:p>
-                      <a:pPr algn="r" fontAlgn="ctr"/>
-                      <a:r>
-                        <a:rPr lang="es-ES" sz="1800">
+                        <a:rPr lang="es-ES">
                           <a:effectLst/>
                         </a:rPr>
                         <a:t>3.0</a:t>
@@ -7286,22 +7181,22 @@
                 </a:tc>
                 <a:extLst>
                   <a:ext uri="{0D108BD9-81ED-4DB2-BD59-A6C34878D82A}">
-                    <a16:rowId xmlns:a16="http://schemas.microsoft.com/office/drawing/2014/main" val="4223737469"/>
+                    <a16:rowId xmlns:a16="http://schemas.microsoft.com/office/drawing/2014/main" val="1609555677"/>
                   </a:ext>
                 </a:extLst>
               </a:tr>
-              <a:tr h="365760">
-                <a:tc>
-                  <a:txBody>
-                    <a:bodyPr/>
-                    <a:lstStyle/>
-                    <a:p>
-                      <a:pPr algn="r" fontAlgn="ctr"/>
-                      <a:r>
-                        <a:rPr lang="es-ES" sz="1800" b="1">
-                          <a:effectLst/>
-                        </a:rPr>
-                        <a:t>454</a:t>
+              <a:tr h="0">
+                <a:tc>
+                  <a:txBody>
+                    <a:bodyPr/>
+                    <a:lstStyle/>
+                    <a:p>
+                      <a:pPr algn="r" fontAlgn="ctr"/>
+                      <a:r>
+                        <a:rPr lang="es-ES" b="1">
+                          <a:effectLst/>
+                        </a:rPr>
+                        <a:t>7</a:t>
                       </a:r>
                     </a:p>
                   </a:txBody>
@@ -7314,10 +7209,10 @@
                     <a:p>
                       <a:pPr algn="r" fontAlgn="ctr"/>
                       <a:r>
-                        <a:rPr lang="es-ES" sz="1800">
-                          <a:effectLst/>
-                        </a:rPr>
-                        <a:t>Alfajarín</a:t>
+                        <a:rPr lang="es-ES">
+                          <a:effectLst/>
+                        </a:rPr>
+                        <a:t>Albelda</a:t>
                       </a:r>
                     </a:p>
                   </a:txBody>
@@ -7330,10 +7225,10 @@
                     <a:p>
                       <a:pPr algn="r" fontAlgn="ctr"/>
                       <a:r>
-                        <a:rPr lang="es-ES" sz="1800">
-                          <a:effectLst/>
-                        </a:rPr>
-                        <a:t>42.181000</a:t>
+                        <a:rPr lang="es-ES">
+                          <a:effectLst/>
+                        </a:rPr>
+                        <a:t>11,0</a:t>
                       </a:r>
                     </a:p>
                   </a:txBody>
@@ -7346,10 +7241,10 @@
                     <a:p>
                       <a:pPr algn="r" fontAlgn="ctr"/>
                       <a:r>
-                        <a:rPr lang="es-ES" sz="1800">
-                          <a:effectLst/>
-                        </a:rPr>
-                        <a:t>0,0</a:t>
+                        <a:rPr lang="es-ES">
+                          <a:effectLst/>
+                        </a:rPr>
+                        <a:t>22009</a:t>
                       </a:r>
                     </a:p>
                   </a:txBody>
@@ -7362,10 +7257,10 @@
                     <a:p>
                       <a:pPr algn="r" fontAlgn="ctr"/>
                       <a:r>
-                        <a:rPr lang="es-ES" sz="1800">
-                          <a:effectLst/>
-                        </a:rPr>
-                        <a:t>50017</a:t>
+                        <a:rPr lang="es-ES">
+                          <a:effectLst/>
+                        </a:rPr>
+                        <a:t>Huesca</a:t>
                       </a:r>
                     </a:p>
                   </a:txBody>
@@ -7378,26 +7273,10 @@
                     <a:p>
                       <a:pPr algn="r" fontAlgn="ctr"/>
                       <a:r>
-                        <a:rPr lang="es-ES" sz="1800">
-                          <a:effectLst/>
-                        </a:rPr>
-                        <a:t>Zaragoza</a:t>
-                      </a:r>
-                    </a:p>
-                  </a:txBody>
-                  <a:tcPr anchor="ctr"/>
-                </a:tc>
-                <a:tc>
-                  <a:txBody>
-                    <a:bodyPr/>
-                    <a:lstStyle/>
-                    <a:p>
-                      <a:pPr algn="r" fontAlgn="ctr"/>
-                      <a:r>
-                        <a:rPr lang="es-ES" sz="1800" dirty="0">
-                          <a:effectLst/>
-                        </a:rPr>
-                        <a:t>6.0</a:t>
+                        <a:rPr lang="es-ES" dirty="0">
+                          <a:effectLst/>
+                        </a:rPr>
+                        <a:t>3.0</a:t>
                       </a:r>
                     </a:p>
                   </a:txBody>
@@ -7405,7 +7284,7 @@
                 </a:tc>
                 <a:extLst>
                   <a:ext uri="{0D108BD9-81ED-4DB2-BD59-A6C34878D82A}">
-                    <a16:rowId xmlns:a16="http://schemas.microsoft.com/office/drawing/2014/main" val="316554275"/>
+                    <a16:rowId xmlns:a16="http://schemas.microsoft.com/office/drawing/2014/main" val="226178441"/>
                   </a:ext>
                 </a:extLst>
               </a:tr>
